--- a/Addressing HR Workforce Challenges/Background/Background Design.pptx
+++ b/Addressing HR Workforce Challenges/Background/Background Design.pptx
@@ -5,11 +5,12 @@
     <p:sldMasterId id="2147483690" r:id="rId1"/>
   </p:sldMasterIdLst>
   <p:notesMasterIdLst>
-    <p:notesMasterId r:id="rId4"/>
+    <p:notesMasterId r:id="rId5"/>
   </p:notesMasterIdLst>
   <p:sldIdLst>
     <p:sldId id="256" r:id="rId2"/>
     <p:sldId id="257" r:id="rId3"/>
+    <p:sldId id="258" r:id="rId4"/>
   </p:sldIdLst>
   <p:sldSz cx="15849600" cy="8915400"/>
   <p:notesSz cx="6858000" cy="9144000"/>
@@ -198,7 +199,7 @@
           <a:p>
             <a:fld id="{0ACFB2EC-DCA8-4116-B1EB-8E9C5078A1E6}" type="datetimeFigureOut">
               <a:rPr lang="en-US" smtClean="0"/>
-              <a:t>5/28/2025</a:t>
+              <a:t>5/31/2025</a:t>
             </a:fld>
             <a:endParaRPr lang="en-US"/>
           </a:p>
@@ -848,7 +849,7 @@
           <a:p>
             <a:fld id="{09A2A394-E6A6-4165-8817-512E55D841B1}" type="datetimeFigureOut">
               <a:rPr lang="en-US" smtClean="0"/>
-              <a:t>5/28/2025</a:t>
+              <a:t>5/31/2025</a:t>
             </a:fld>
             <a:endParaRPr lang="en-US"/>
           </a:p>
@@ -1284,7 +1285,7 @@
           <a:p>
             <a:fld id="{09A2A394-E6A6-4165-8817-512E55D841B1}" type="datetimeFigureOut">
               <a:rPr lang="en-US" smtClean="0"/>
-              <a:t>5/28/2025</a:t>
+              <a:t>5/31/2025</a:t>
             </a:fld>
             <a:endParaRPr lang="en-US"/>
           </a:p>
@@ -1534,7 +1535,7 @@
           <a:p>
             <a:fld id="{09A2A394-E6A6-4165-8817-512E55D841B1}" type="datetimeFigureOut">
               <a:rPr lang="en-US" smtClean="0"/>
-              <a:t>5/28/2025</a:t>
+              <a:t>5/31/2025</a:t>
             </a:fld>
             <a:endParaRPr lang="en-US"/>
           </a:p>
@@ -1842,7 +1843,7 @@
           <a:p>
             <a:fld id="{09A2A394-E6A6-4165-8817-512E55D841B1}" type="datetimeFigureOut">
               <a:rPr lang="en-US" smtClean="0"/>
-              <a:t>5/28/2025</a:t>
+              <a:t>5/31/2025</a:t>
             </a:fld>
             <a:endParaRPr lang="en-US"/>
           </a:p>
@@ -2160,7 +2161,7 @@
           <a:p>
             <a:fld id="{09A2A394-E6A6-4165-8817-512E55D841B1}" type="datetimeFigureOut">
               <a:rPr lang="en-US" smtClean="0"/>
-              <a:t>5/28/2025</a:t>
+              <a:t>5/31/2025</a:t>
             </a:fld>
             <a:endParaRPr lang="en-US"/>
           </a:p>
@@ -2462,7 +2463,7 @@
           <a:p>
             <a:fld id="{09A2A394-E6A6-4165-8817-512E55D841B1}" type="datetimeFigureOut">
               <a:rPr lang="en-US" smtClean="0"/>
-              <a:t>5/28/2025</a:t>
+              <a:t>5/31/2025</a:t>
             </a:fld>
             <a:endParaRPr lang="en-US"/>
           </a:p>
@@ -2829,7 +2830,7 @@
           <a:p>
             <a:fld id="{09A2A394-E6A6-4165-8817-512E55D841B1}" type="datetimeFigureOut">
               <a:rPr lang="en-US" smtClean="0"/>
-              <a:t>5/28/2025</a:t>
+              <a:t>5/31/2025</a:t>
             </a:fld>
             <a:endParaRPr lang="en-US"/>
           </a:p>
@@ -3003,7 +3004,7 @@
           <a:p>
             <a:fld id="{09A2A394-E6A6-4165-8817-512E55D841B1}" type="datetimeFigureOut">
               <a:rPr lang="en-US" smtClean="0"/>
-              <a:t>5/28/2025</a:t>
+              <a:t>5/31/2025</a:t>
             </a:fld>
             <a:endParaRPr lang="en-US"/>
           </a:p>
@@ -3183,7 +3184,7 @@
           <a:p>
             <a:fld id="{09A2A394-E6A6-4165-8817-512E55D841B1}" type="datetimeFigureOut">
               <a:rPr lang="en-US" smtClean="0"/>
-              <a:t>5/28/2025</a:t>
+              <a:t>5/31/2025</a:t>
             </a:fld>
             <a:endParaRPr lang="en-US"/>
           </a:p>
@@ -3353,7 +3354,7 @@
           <a:p>
             <a:fld id="{09A2A394-E6A6-4165-8817-512E55D841B1}" type="datetimeFigureOut">
               <a:rPr lang="en-US" smtClean="0"/>
-              <a:t>5/28/2025</a:t>
+              <a:t>5/31/2025</a:t>
             </a:fld>
             <a:endParaRPr lang="en-US"/>
           </a:p>
@@ -3603,7 +3604,7 @@
           <a:p>
             <a:fld id="{09A2A394-E6A6-4165-8817-512E55D841B1}" type="datetimeFigureOut">
               <a:rPr lang="en-US" smtClean="0"/>
-              <a:t>5/28/2025</a:t>
+              <a:t>5/31/2025</a:t>
             </a:fld>
             <a:endParaRPr lang="en-US"/>
           </a:p>
@@ -3839,7 +3840,7 @@
           <a:p>
             <a:fld id="{09A2A394-E6A6-4165-8817-512E55D841B1}" type="datetimeFigureOut">
               <a:rPr lang="en-US" smtClean="0"/>
-              <a:t>5/28/2025</a:t>
+              <a:t>5/31/2025</a:t>
             </a:fld>
             <a:endParaRPr lang="en-US"/>
           </a:p>
@@ -4221,7 +4222,7 @@
           <a:p>
             <a:fld id="{09A2A394-E6A6-4165-8817-512E55D841B1}" type="datetimeFigureOut">
               <a:rPr lang="en-US" smtClean="0"/>
-              <a:t>5/28/2025</a:t>
+              <a:t>5/31/2025</a:t>
             </a:fld>
             <a:endParaRPr lang="en-US"/>
           </a:p>
@@ -4339,7 +4340,7 @@
           <a:p>
             <a:fld id="{09A2A394-E6A6-4165-8817-512E55D841B1}" type="datetimeFigureOut">
               <a:rPr lang="en-US" smtClean="0"/>
-              <a:t>5/28/2025</a:t>
+              <a:t>5/31/2025</a:t>
             </a:fld>
             <a:endParaRPr lang="en-US"/>
           </a:p>
@@ -4434,7 +4435,7 @@
           <a:p>
             <a:fld id="{09A2A394-E6A6-4165-8817-512E55D841B1}" type="datetimeFigureOut">
               <a:rPr lang="en-US" smtClean="0"/>
-              <a:t>5/28/2025</a:t>
+              <a:t>5/31/2025</a:t>
             </a:fld>
             <a:endParaRPr lang="en-US"/>
           </a:p>
@@ -4689,7 +4690,7 @@
           <a:p>
             <a:fld id="{09A2A394-E6A6-4165-8817-512E55D841B1}" type="datetimeFigureOut">
               <a:rPr lang="en-US" smtClean="0"/>
-              <a:t>5/28/2025</a:t>
+              <a:t>5/31/2025</a:t>
             </a:fld>
             <a:endParaRPr lang="en-US"/>
           </a:p>
@@ -4972,7 +4973,7 @@
           <a:p>
             <a:fld id="{09A2A394-E6A6-4165-8817-512E55D841B1}" type="datetimeFigureOut">
               <a:rPr lang="en-US" smtClean="0"/>
-              <a:t>5/28/2025</a:t>
+              <a:t>5/31/2025</a:t>
             </a:fld>
             <a:endParaRPr lang="en-US"/>
           </a:p>
@@ -5378,7 +5379,7 @@
           <a:p>
             <a:fld id="{09A2A394-E6A6-4165-8817-512E55D841B1}" type="datetimeFigureOut">
               <a:rPr lang="en-US" smtClean="0"/>
-              <a:t>5/28/2025</a:t>
+              <a:t>5/31/2025</a:t>
             </a:fld>
             <a:endParaRPr lang="en-US"/>
           </a:p>
@@ -5899,6 +5900,26 @@
 <file path=ppt/slides/slide1.xml><?xml version="1.0" encoding="utf-8"?>
 <p:sld xmlns:a="http://schemas.openxmlformats.org/drawingml/2006/main" xmlns:r="http://schemas.openxmlformats.org/officeDocument/2006/relationships" xmlns:p="http://schemas.openxmlformats.org/presentationml/2006/main">
   <p:cSld>
+    <p:bg>
+      <p:bgPr>
+        <a:gradFill rotWithShape="1">
+          <a:gsLst>
+            <a:gs pos="10000">
+              <a:srgbClr val="16689C"/>
+            </a:gs>
+            <a:gs pos="100000">
+              <a:schemeClr val="bg2">
+                <a:shade val="96000"/>
+                <a:satMod val="120000"/>
+                <a:lumMod val="90000"/>
+              </a:schemeClr>
+            </a:gs>
+          </a:gsLst>
+          <a:lin ang="6120000" scaled="1"/>
+        </a:gradFill>
+        <a:effectLst/>
+      </p:bgPr>
+    </p:bg>
     <p:spTree>
       <p:nvGrpSpPr>
         <p:cNvPr id="1" name=""/>
@@ -6695,6 +6716,177 @@
           </a:prstGeom>
         </p:spPr>
       </p:pic>
+      <p:grpSp>
+        <p:nvGrpSpPr>
+          <p:cNvPr id="8" name="Group 7">
+            <a:extLst>
+              <a:ext uri="{FF2B5EF4-FFF2-40B4-BE49-F238E27FC236}">
+                <a16:creationId xmlns:a16="http://schemas.microsoft.com/office/drawing/2014/main" id="{1C651E77-6081-2E0B-C6BE-913DC8298705}"/>
+              </a:ext>
+            </a:extLst>
+          </p:cNvPr>
+          <p:cNvGrpSpPr/>
+          <p:nvPr/>
+        </p:nvGrpSpPr>
+        <p:grpSpPr>
+          <a:xfrm>
+            <a:off x="5040730" y="720305"/>
+            <a:ext cx="5768145" cy="461666"/>
+            <a:chOff x="5442285" y="720305"/>
+            <a:chExt cx="5768145" cy="461666"/>
+          </a:xfrm>
+        </p:grpSpPr>
+        <p:sp>
+          <p:nvSpPr>
+            <p:cNvPr id="2" name="Rectangle: Top Corners Rounded 1">
+              <a:extLst>
+                <a:ext uri="{FF2B5EF4-FFF2-40B4-BE49-F238E27FC236}">
+                  <a16:creationId xmlns:a16="http://schemas.microsoft.com/office/drawing/2014/main" id="{6096D9B0-54A3-FA41-C5A5-B8A54938F1F7}"/>
+                </a:ext>
+              </a:extLst>
+            </p:cNvPr>
+            <p:cNvSpPr/>
+            <p:nvPr/>
+          </p:nvSpPr>
+          <p:spPr>
+            <a:xfrm>
+              <a:off x="5442285" y="720305"/>
+              <a:ext cx="1815765" cy="461666"/>
+            </a:xfrm>
+            <a:prstGeom prst="round2SameRect">
+              <a:avLst/>
+            </a:prstGeom>
+            <a:solidFill>
+              <a:srgbClr val="16689C"/>
+            </a:solidFill>
+            <a:ln>
+              <a:noFill/>
+            </a:ln>
+          </p:spPr>
+          <p:style>
+            <a:lnRef idx="2">
+              <a:schemeClr val="dk1"/>
+            </a:lnRef>
+            <a:fillRef idx="1">
+              <a:schemeClr val="lt1"/>
+            </a:fillRef>
+            <a:effectRef idx="0">
+              <a:schemeClr val="dk1"/>
+            </a:effectRef>
+            <a:fontRef idx="minor">
+              <a:schemeClr val="dk1"/>
+            </a:fontRef>
+          </p:style>
+          <p:txBody>
+            <a:bodyPr rtlCol="0" anchor="ctr"/>
+            <a:lstStyle/>
+            <a:p>
+              <a:pPr algn="ctr"/>
+              <a:endParaRPr lang="en-US" dirty="0"/>
+            </a:p>
+          </p:txBody>
+        </p:sp>
+        <p:sp>
+          <p:nvSpPr>
+            <p:cNvPr id="3" name="Rectangle: Top Corners Rounded 2">
+              <a:extLst>
+                <a:ext uri="{FF2B5EF4-FFF2-40B4-BE49-F238E27FC236}">
+                  <a16:creationId xmlns:a16="http://schemas.microsoft.com/office/drawing/2014/main" id="{41E2AB21-38F0-ED2D-C8F5-EEBC81F8C88D}"/>
+                </a:ext>
+              </a:extLst>
+            </p:cNvPr>
+            <p:cNvSpPr/>
+            <p:nvPr/>
+          </p:nvSpPr>
+          <p:spPr>
+            <a:xfrm>
+              <a:off x="7418475" y="720305"/>
+              <a:ext cx="1815765" cy="461666"/>
+            </a:xfrm>
+            <a:prstGeom prst="round2SameRect">
+              <a:avLst/>
+            </a:prstGeom>
+            <a:solidFill>
+              <a:srgbClr val="61AFD3"/>
+            </a:solidFill>
+            <a:ln>
+              <a:noFill/>
+            </a:ln>
+          </p:spPr>
+          <p:style>
+            <a:lnRef idx="2">
+              <a:schemeClr val="dk1"/>
+            </a:lnRef>
+            <a:fillRef idx="1">
+              <a:schemeClr val="lt1"/>
+            </a:fillRef>
+            <a:effectRef idx="0">
+              <a:schemeClr val="dk1"/>
+            </a:effectRef>
+            <a:fontRef idx="minor">
+              <a:schemeClr val="dk1"/>
+            </a:fontRef>
+          </p:style>
+          <p:txBody>
+            <a:bodyPr rtlCol="0" anchor="ctr"/>
+            <a:lstStyle/>
+            <a:p>
+              <a:pPr algn="ctr"/>
+              <a:endParaRPr lang="en-US" dirty="0"/>
+            </a:p>
+          </p:txBody>
+        </p:sp>
+        <p:sp>
+          <p:nvSpPr>
+            <p:cNvPr id="6" name="Rectangle: Top Corners Rounded 5">
+              <a:extLst>
+                <a:ext uri="{FF2B5EF4-FFF2-40B4-BE49-F238E27FC236}">
+                  <a16:creationId xmlns:a16="http://schemas.microsoft.com/office/drawing/2014/main" id="{86971E0E-E3EA-6281-8B0E-16326BD37CB7}"/>
+                </a:ext>
+              </a:extLst>
+            </p:cNvPr>
+            <p:cNvSpPr/>
+            <p:nvPr/>
+          </p:nvSpPr>
+          <p:spPr>
+            <a:xfrm>
+              <a:off x="9394665" y="720305"/>
+              <a:ext cx="1815765" cy="461666"/>
+            </a:xfrm>
+            <a:prstGeom prst="round2SameRect">
+              <a:avLst/>
+            </a:prstGeom>
+            <a:solidFill>
+              <a:srgbClr val="61AFD3"/>
+            </a:solidFill>
+            <a:ln>
+              <a:noFill/>
+            </a:ln>
+          </p:spPr>
+          <p:style>
+            <a:lnRef idx="2">
+              <a:schemeClr val="dk1"/>
+            </a:lnRef>
+            <a:fillRef idx="1">
+              <a:schemeClr val="lt1"/>
+            </a:fillRef>
+            <a:effectRef idx="0">
+              <a:schemeClr val="dk1"/>
+            </a:effectRef>
+            <a:fontRef idx="minor">
+              <a:schemeClr val="dk1"/>
+            </a:fontRef>
+          </p:style>
+          <p:txBody>
+            <a:bodyPr rtlCol="0" anchor="ctr"/>
+            <a:lstStyle/>
+            <a:p>
+              <a:pPr algn="ctr"/>
+              <a:endParaRPr lang="en-US" dirty="0"/>
+            </a:p>
+          </p:txBody>
+        </p:sp>
+      </p:grpSp>
     </p:spTree>
     <p:extLst>
       <p:ext uri="{BB962C8B-B14F-4D97-AF65-F5344CB8AC3E}">
@@ -6711,6 +6903,26 @@
 <file path=ppt/slides/slide2.xml><?xml version="1.0" encoding="utf-8"?>
 <p:sld xmlns:a="http://schemas.openxmlformats.org/drawingml/2006/main" xmlns:r="http://schemas.openxmlformats.org/officeDocument/2006/relationships" xmlns:p="http://schemas.openxmlformats.org/presentationml/2006/main">
   <p:cSld>
+    <p:bg>
+      <p:bgPr>
+        <a:gradFill rotWithShape="1">
+          <a:gsLst>
+            <a:gs pos="10000">
+              <a:srgbClr val="16689C"/>
+            </a:gs>
+            <a:gs pos="100000">
+              <a:schemeClr val="bg2">
+                <a:shade val="96000"/>
+                <a:satMod val="120000"/>
+                <a:lumMod val="90000"/>
+              </a:schemeClr>
+            </a:gs>
+          </a:gsLst>
+          <a:lin ang="6120000" scaled="1"/>
+        </a:gradFill>
+        <a:effectLst/>
+      </p:bgPr>
+    </p:bg>
     <p:spTree>
       <p:nvGrpSpPr>
         <p:cNvPr id="1" name="">
@@ -6745,8 +6957,8 @@
         </p:nvSpPr>
         <p:spPr>
           <a:xfrm>
-            <a:off x="8029077" y="5017168"/>
-            <a:ext cx="7615990" cy="3777914"/>
+            <a:off x="8029077" y="4572000"/>
+            <a:ext cx="7615990" cy="4223082"/>
           </a:xfrm>
           <a:prstGeom prst="roundRect">
             <a:avLst>
@@ -7262,7 +7474,7 @@
         <p:spPr>
           <a:xfrm>
             <a:off x="8029077" y="1386507"/>
-            <a:ext cx="7615990" cy="3458530"/>
+            <a:ext cx="7615990" cy="3071193"/>
           </a:xfrm>
           <a:prstGeom prst="roundRect">
             <a:avLst>
@@ -7391,10 +7603,987 @@
           </a:p>
         </p:txBody>
       </p:sp>
+      <p:sp>
+        <p:nvSpPr>
+          <p:cNvPr id="9" name="Rectangle: Top Corners Rounded 8">
+            <a:extLst>
+              <a:ext uri="{FF2B5EF4-FFF2-40B4-BE49-F238E27FC236}">
+                <a16:creationId xmlns:a16="http://schemas.microsoft.com/office/drawing/2014/main" id="{6BAB6B4D-4C93-4F0C-072F-A2BADA876337}"/>
+              </a:ext>
+            </a:extLst>
+          </p:cNvPr>
+          <p:cNvSpPr/>
+          <p:nvPr/>
+        </p:nvSpPr>
+        <p:spPr>
+          <a:xfrm>
+            <a:off x="5040730" y="720305"/>
+            <a:ext cx="1815765" cy="461666"/>
+          </a:xfrm>
+          <a:prstGeom prst="round2SameRect">
+            <a:avLst/>
+          </a:prstGeom>
+          <a:solidFill>
+            <a:srgbClr val="61AFD3"/>
+          </a:solidFill>
+          <a:ln>
+            <a:noFill/>
+          </a:ln>
+        </p:spPr>
+        <p:style>
+          <a:lnRef idx="2">
+            <a:schemeClr val="dk1"/>
+          </a:lnRef>
+          <a:fillRef idx="1">
+            <a:schemeClr val="lt1"/>
+          </a:fillRef>
+          <a:effectRef idx="0">
+            <a:schemeClr val="dk1"/>
+          </a:effectRef>
+          <a:fontRef idx="minor">
+            <a:schemeClr val="dk1"/>
+          </a:fontRef>
+        </p:style>
+        <p:txBody>
+          <a:bodyPr rtlCol="0" anchor="ctr"/>
+          <a:lstStyle/>
+          <a:p>
+            <a:pPr algn="ctr"/>
+            <a:endParaRPr lang="en-US" dirty="0"/>
+          </a:p>
+        </p:txBody>
+      </p:sp>
+      <p:sp>
+        <p:nvSpPr>
+          <p:cNvPr id="10" name="Rectangle: Top Corners Rounded 9">
+            <a:extLst>
+              <a:ext uri="{FF2B5EF4-FFF2-40B4-BE49-F238E27FC236}">
+                <a16:creationId xmlns:a16="http://schemas.microsoft.com/office/drawing/2014/main" id="{105ED1ED-92FE-9AB0-9A2F-06A138299975}"/>
+              </a:ext>
+            </a:extLst>
+          </p:cNvPr>
+          <p:cNvSpPr/>
+          <p:nvPr/>
+        </p:nvSpPr>
+        <p:spPr>
+          <a:xfrm>
+            <a:off x="7016920" y="720305"/>
+            <a:ext cx="1815765" cy="461666"/>
+          </a:xfrm>
+          <a:prstGeom prst="round2SameRect">
+            <a:avLst/>
+          </a:prstGeom>
+          <a:solidFill>
+            <a:srgbClr val="16689C"/>
+          </a:solidFill>
+          <a:ln>
+            <a:noFill/>
+          </a:ln>
+        </p:spPr>
+        <p:style>
+          <a:lnRef idx="2">
+            <a:schemeClr val="dk1"/>
+          </a:lnRef>
+          <a:fillRef idx="1">
+            <a:schemeClr val="lt1"/>
+          </a:fillRef>
+          <a:effectRef idx="0">
+            <a:schemeClr val="dk1"/>
+          </a:effectRef>
+          <a:fontRef idx="minor">
+            <a:schemeClr val="dk1"/>
+          </a:fontRef>
+        </p:style>
+        <p:txBody>
+          <a:bodyPr rtlCol="0" anchor="ctr"/>
+          <a:lstStyle/>
+          <a:p>
+            <a:pPr algn="ctr"/>
+            <a:endParaRPr lang="en-US" dirty="0"/>
+          </a:p>
+        </p:txBody>
+      </p:sp>
+      <p:sp>
+        <p:nvSpPr>
+          <p:cNvPr id="11" name="Rectangle: Top Corners Rounded 10">
+            <a:extLst>
+              <a:ext uri="{FF2B5EF4-FFF2-40B4-BE49-F238E27FC236}">
+                <a16:creationId xmlns:a16="http://schemas.microsoft.com/office/drawing/2014/main" id="{AFC60FF3-8D17-4820-B110-4C5D5FE561A1}"/>
+              </a:ext>
+            </a:extLst>
+          </p:cNvPr>
+          <p:cNvSpPr/>
+          <p:nvPr/>
+        </p:nvSpPr>
+        <p:spPr>
+          <a:xfrm>
+            <a:off x="8993110" y="720305"/>
+            <a:ext cx="1815765" cy="461666"/>
+          </a:xfrm>
+          <a:prstGeom prst="round2SameRect">
+            <a:avLst/>
+          </a:prstGeom>
+          <a:solidFill>
+            <a:srgbClr val="61AFD3"/>
+          </a:solidFill>
+          <a:ln>
+            <a:noFill/>
+          </a:ln>
+        </p:spPr>
+        <p:style>
+          <a:lnRef idx="2">
+            <a:schemeClr val="dk1"/>
+          </a:lnRef>
+          <a:fillRef idx="1">
+            <a:schemeClr val="lt1"/>
+          </a:fillRef>
+          <a:effectRef idx="0">
+            <a:schemeClr val="dk1"/>
+          </a:effectRef>
+          <a:fontRef idx="minor">
+            <a:schemeClr val="dk1"/>
+          </a:fontRef>
+        </p:style>
+        <p:txBody>
+          <a:bodyPr rtlCol="0" anchor="ctr"/>
+          <a:lstStyle/>
+          <a:p>
+            <a:pPr algn="ctr"/>
+            <a:endParaRPr lang="en-US" dirty="0"/>
+          </a:p>
+        </p:txBody>
+      </p:sp>
     </p:spTree>
     <p:extLst>
       <p:ext uri="{BB962C8B-B14F-4D97-AF65-F5344CB8AC3E}">
         <p14:creationId xmlns:p14="http://schemas.microsoft.com/office/powerpoint/2010/main" val="2249761013"/>
+      </p:ext>
+    </p:extLst>
+  </p:cSld>
+  <p:clrMapOvr>
+    <a:masterClrMapping/>
+  </p:clrMapOvr>
+</p:sld>
+</file>
+
+<file path=ppt/slides/slide3.xml><?xml version="1.0" encoding="utf-8"?>
+<p:sld xmlns:a="http://schemas.openxmlformats.org/drawingml/2006/main" xmlns:r="http://schemas.openxmlformats.org/officeDocument/2006/relationships" xmlns:p="http://schemas.openxmlformats.org/presentationml/2006/main">
+  <p:cSld>
+    <p:bg>
+      <p:bgPr>
+        <a:gradFill rotWithShape="1">
+          <a:gsLst>
+            <a:gs pos="10000">
+              <a:srgbClr val="16689C"/>
+            </a:gs>
+            <a:gs pos="100000">
+              <a:schemeClr val="bg2">
+                <a:shade val="96000"/>
+                <a:satMod val="120000"/>
+                <a:lumMod val="90000"/>
+              </a:schemeClr>
+            </a:gs>
+          </a:gsLst>
+          <a:lin ang="6120000" scaled="1"/>
+        </a:gradFill>
+        <a:effectLst/>
+      </p:bgPr>
+    </p:bg>
+    <p:spTree>
+      <p:nvGrpSpPr>
+        <p:cNvPr id="1" name=""/>
+        <p:cNvGrpSpPr/>
+        <p:nvPr/>
+      </p:nvGrpSpPr>
+      <p:grpSpPr>
+        <a:xfrm>
+          <a:off x="0" y="0"/>
+          <a:ext cx="0" cy="0"/>
+          <a:chOff x="0" y="0"/>
+          <a:chExt cx="0" cy="0"/>
+        </a:xfrm>
+      </p:grpSpPr>
+      <p:sp>
+        <p:nvSpPr>
+          <p:cNvPr id="4" name="Rectangle: Rounded Corners 3">
+            <a:extLst>
+              <a:ext uri="{FF2B5EF4-FFF2-40B4-BE49-F238E27FC236}">
+                <a16:creationId xmlns:a16="http://schemas.microsoft.com/office/drawing/2014/main" id="{979B010B-BD37-307B-FB25-D4848FCCC891}"/>
+              </a:ext>
+            </a:extLst>
+          </p:cNvPr>
+          <p:cNvSpPr/>
+          <p:nvPr/>
+        </p:nvSpPr>
+        <p:spPr>
+          <a:xfrm>
+            <a:off x="247650" y="152400"/>
+            <a:ext cx="9258300" cy="1714500"/>
+          </a:xfrm>
+          <a:prstGeom prst="roundRect">
+            <a:avLst/>
+          </a:prstGeom>
+          <a:ln>
+            <a:noFill/>
+          </a:ln>
+        </p:spPr>
+        <p:style>
+          <a:lnRef idx="2">
+            <a:schemeClr val="accent1">
+              <a:shade val="15000"/>
+            </a:schemeClr>
+          </a:lnRef>
+          <a:fillRef idx="1">
+            <a:schemeClr val="accent1"/>
+          </a:fillRef>
+          <a:effectRef idx="0">
+            <a:schemeClr val="accent1"/>
+          </a:effectRef>
+          <a:fontRef idx="minor">
+            <a:schemeClr val="lt1"/>
+          </a:fontRef>
+        </p:style>
+        <p:txBody>
+          <a:bodyPr rtlCol="0" anchor="ctr"/>
+          <a:lstStyle/>
+          <a:p>
+            <a:pPr algn="ctr"/>
+            <a:endParaRPr lang="en-US"/>
+          </a:p>
+        </p:txBody>
+      </p:sp>
+      <p:sp>
+        <p:nvSpPr>
+          <p:cNvPr id="5" name="TextBox 4">
+            <a:extLst>
+              <a:ext uri="{FF2B5EF4-FFF2-40B4-BE49-F238E27FC236}">
+                <a16:creationId xmlns:a16="http://schemas.microsoft.com/office/drawing/2014/main" id="{8D82B36E-9B0C-0C6C-BC3E-E19F8568B325}"/>
+              </a:ext>
+            </a:extLst>
+          </p:cNvPr>
+          <p:cNvSpPr txBox="1"/>
+          <p:nvPr/>
+        </p:nvSpPr>
+        <p:spPr>
+          <a:xfrm>
+            <a:off x="400050" y="342900"/>
+            <a:ext cx="8839200" cy="1015663"/>
+          </a:xfrm>
+          <a:prstGeom prst="rect">
+            <a:avLst/>
+          </a:prstGeom>
+          <a:noFill/>
+        </p:spPr>
+        <p:txBody>
+          <a:bodyPr wrap="square" rtlCol="0">
+            <a:spAutoFit/>
+          </a:bodyPr>
+          <a:lstStyle/>
+          <a:p>
+            <a:r>
+              <a:rPr lang="en-US" sz="2400" b="1" dirty="0">
+                <a:latin typeface="Open Sans" pitchFamily="2" charset="0"/>
+                <a:ea typeface="Open Sans" pitchFamily="2" charset="0"/>
+                <a:cs typeface="Open Sans" pitchFamily="2" charset="0"/>
+              </a:rPr>
+              <a:t>WHAT IF: </a:t>
+            </a:r>
+            <a:r>
+              <a:rPr lang="en-US" sz="2400" dirty="0">
+                <a:latin typeface="Open Sans" pitchFamily="2" charset="0"/>
+                <a:ea typeface="Open Sans" pitchFamily="2" charset="0"/>
+                <a:cs typeface="Open Sans" pitchFamily="2" charset="0"/>
+              </a:rPr>
+              <a:t>Actual Working Hours Changed by           and </a:t>
+            </a:r>
+          </a:p>
+          <a:p>
+            <a:endParaRPr lang="en-US" sz="1200" dirty="0">
+              <a:latin typeface="Open Sans" pitchFamily="2" charset="0"/>
+              <a:ea typeface="Open Sans" pitchFamily="2" charset="0"/>
+              <a:cs typeface="Open Sans" pitchFamily="2" charset="0"/>
+            </a:endParaRPr>
+          </a:p>
+          <a:p>
+            <a:r>
+              <a:rPr lang="en-US" sz="2400" dirty="0">
+                <a:latin typeface="Open Sans" pitchFamily="2" charset="0"/>
+                <a:ea typeface="Open Sans" pitchFamily="2" charset="0"/>
+                <a:cs typeface="Open Sans" pitchFamily="2" charset="0"/>
+              </a:rPr>
+              <a:t>Number of Employees Changed by </a:t>
+            </a:r>
+          </a:p>
+        </p:txBody>
+      </p:sp>
+      <p:sp>
+        <p:nvSpPr>
+          <p:cNvPr id="6" name="Rectangle: Rounded Corners 5">
+            <a:extLst>
+              <a:ext uri="{FF2B5EF4-FFF2-40B4-BE49-F238E27FC236}">
+                <a16:creationId xmlns:a16="http://schemas.microsoft.com/office/drawing/2014/main" id="{AD32C334-855B-298F-4042-CD3FEB741460}"/>
+              </a:ext>
+            </a:extLst>
+          </p:cNvPr>
+          <p:cNvSpPr/>
+          <p:nvPr/>
+        </p:nvSpPr>
+        <p:spPr>
+          <a:xfrm>
+            <a:off x="247650" y="3940340"/>
+            <a:ext cx="15240000" cy="4898860"/>
+          </a:xfrm>
+          <a:prstGeom prst="roundRect">
+            <a:avLst>
+              <a:gd name="adj" fmla="val 2381"/>
+            </a:avLst>
+          </a:prstGeom>
+          <a:solidFill>
+            <a:schemeClr val="tx1"/>
+          </a:solidFill>
+          <a:ln>
+            <a:noFill/>
+          </a:ln>
+        </p:spPr>
+        <p:style>
+          <a:lnRef idx="2">
+            <a:schemeClr val="accent1">
+              <a:shade val="15000"/>
+            </a:schemeClr>
+          </a:lnRef>
+          <a:fillRef idx="1">
+            <a:schemeClr val="accent1"/>
+          </a:fillRef>
+          <a:effectRef idx="0">
+            <a:schemeClr val="accent1"/>
+          </a:effectRef>
+          <a:fontRef idx="minor">
+            <a:schemeClr val="lt1"/>
+          </a:fontRef>
+        </p:style>
+        <p:txBody>
+          <a:bodyPr rtlCol="0" anchor="ctr"/>
+          <a:lstStyle/>
+          <a:p>
+            <a:pPr algn="ctr"/>
+            <a:endParaRPr lang="en-US"/>
+          </a:p>
+        </p:txBody>
+      </p:sp>
+      <p:sp>
+        <p:nvSpPr>
+          <p:cNvPr id="11" name="Rectangle: Rounded Corners 10">
+            <a:extLst>
+              <a:ext uri="{FF2B5EF4-FFF2-40B4-BE49-F238E27FC236}">
+                <a16:creationId xmlns:a16="http://schemas.microsoft.com/office/drawing/2014/main" id="{FA9AA207-CD59-572E-F484-2F94103BEBD8}"/>
+              </a:ext>
+            </a:extLst>
+          </p:cNvPr>
+          <p:cNvSpPr/>
+          <p:nvPr/>
+        </p:nvSpPr>
+        <p:spPr>
+          <a:xfrm>
+            <a:off x="247650" y="2057400"/>
+            <a:ext cx="2346159" cy="822159"/>
+          </a:xfrm>
+          <a:prstGeom prst="roundRect">
+            <a:avLst>
+              <a:gd name="adj" fmla="val 11379"/>
+            </a:avLst>
+          </a:prstGeom>
+          <a:solidFill>
+            <a:schemeClr val="tx1"/>
+          </a:solidFill>
+          <a:ln>
+            <a:noFill/>
+          </a:ln>
+          <a:effectLst>
+            <a:outerShdw blurRad="50800" dist="38100" dir="18900000" algn="bl" rotWithShape="0">
+              <a:prstClr val="black">
+                <a:alpha val="40000"/>
+              </a:prstClr>
+            </a:outerShdw>
+          </a:effectLst>
+        </p:spPr>
+        <p:style>
+          <a:lnRef idx="2">
+            <a:schemeClr val="accent1">
+              <a:shade val="15000"/>
+            </a:schemeClr>
+          </a:lnRef>
+          <a:fillRef idx="1">
+            <a:schemeClr val="accent1"/>
+          </a:fillRef>
+          <a:effectRef idx="0">
+            <a:schemeClr val="accent1"/>
+          </a:effectRef>
+          <a:fontRef idx="minor">
+            <a:schemeClr val="lt1"/>
+          </a:fontRef>
+        </p:style>
+        <p:txBody>
+          <a:bodyPr rtlCol="0" anchor="ctr"/>
+          <a:lstStyle/>
+          <a:p>
+            <a:pPr algn="ctr"/>
+            <a:endParaRPr lang="en-US" sz="692"/>
+          </a:p>
+        </p:txBody>
+      </p:sp>
+      <p:sp>
+        <p:nvSpPr>
+          <p:cNvPr id="12" name="Rectangle: Rounded Corners 11">
+            <a:extLst>
+              <a:ext uri="{FF2B5EF4-FFF2-40B4-BE49-F238E27FC236}">
+                <a16:creationId xmlns:a16="http://schemas.microsoft.com/office/drawing/2014/main" id="{EAB0E581-C719-97AD-1C4F-C9E44E32CE60}"/>
+              </a:ext>
+            </a:extLst>
+          </p:cNvPr>
+          <p:cNvSpPr/>
+          <p:nvPr/>
+        </p:nvSpPr>
+        <p:spPr>
+          <a:xfrm>
+            <a:off x="3593431" y="2057400"/>
+            <a:ext cx="2346159" cy="822159"/>
+          </a:xfrm>
+          <a:prstGeom prst="roundRect">
+            <a:avLst>
+              <a:gd name="adj" fmla="val 11379"/>
+            </a:avLst>
+          </a:prstGeom>
+          <a:solidFill>
+            <a:schemeClr val="tx1"/>
+          </a:solidFill>
+          <a:ln>
+            <a:noFill/>
+          </a:ln>
+          <a:effectLst>
+            <a:outerShdw blurRad="50800" dist="38100" dir="18900000" algn="bl" rotWithShape="0">
+              <a:prstClr val="black">
+                <a:alpha val="40000"/>
+              </a:prstClr>
+            </a:outerShdw>
+          </a:effectLst>
+        </p:spPr>
+        <p:style>
+          <a:lnRef idx="2">
+            <a:schemeClr val="accent1">
+              <a:shade val="15000"/>
+            </a:schemeClr>
+          </a:lnRef>
+          <a:fillRef idx="1">
+            <a:schemeClr val="accent1"/>
+          </a:fillRef>
+          <a:effectRef idx="0">
+            <a:schemeClr val="accent1"/>
+          </a:effectRef>
+          <a:fontRef idx="minor">
+            <a:schemeClr val="lt1"/>
+          </a:fontRef>
+        </p:style>
+        <p:txBody>
+          <a:bodyPr rtlCol="0" anchor="ctr"/>
+          <a:lstStyle/>
+          <a:p>
+            <a:pPr algn="ctr"/>
+            <a:endParaRPr lang="en-US" sz="692"/>
+          </a:p>
+        </p:txBody>
+      </p:sp>
+      <p:sp>
+        <p:nvSpPr>
+          <p:cNvPr id="13" name="Rectangle: Rounded Corners 12">
+            <a:extLst>
+              <a:ext uri="{FF2B5EF4-FFF2-40B4-BE49-F238E27FC236}">
+                <a16:creationId xmlns:a16="http://schemas.microsoft.com/office/drawing/2014/main" id="{715F5060-BB00-CA42-8F46-ED4AB4342813}"/>
+              </a:ext>
+            </a:extLst>
+          </p:cNvPr>
+          <p:cNvSpPr/>
+          <p:nvPr/>
+        </p:nvSpPr>
+        <p:spPr>
+          <a:xfrm>
+            <a:off x="6939212" y="2054391"/>
+            <a:ext cx="2346159" cy="822159"/>
+          </a:xfrm>
+          <a:prstGeom prst="roundRect">
+            <a:avLst>
+              <a:gd name="adj" fmla="val 11379"/>
+            </a:avLst>
+          </a:prstGeom>
+          <a:solidFill>
+            <a:schemeClr val="tx1"/>
+          </a:solidFill>
+          <a:ln>
+            <a:noFill/>
+          </a:ln>
+          <a:effectLst>
+            <a:outerShdw blurRad="50800" dist="38100" dir="18900000" algn="bl" rotWithShape="0">
+              <a:prstClr val="black">
+                <a:alpha val="40000"/>
+              </a:prstClr>
+            </a:outerShdw>
+          </a:effectLst>
+        </p:spPr>
+        <p:style>
+          <a:lnRef idx="2">
+            <a:schemeClr val="accent1">
+              <a:shade val="15000"/>
+            </a:schemeClr>
+          </a:lnRef>
+          <a:fillRef idx="1">
+            <a:schemeClr val="accent1"/>
+          </a:fillRef>
+          <a:effectRef idx="0">
+            <a:schemeClr val="accent1"/>
+          </a:effectRef>
+          <a:fontRef idx="minor">
+            <a:schemeClr val="lt1"/>
+          </a:fontRef>
+        </p:style>
+        <p:txBody>
+          <a:bodyPr rtlCol="0" anchor="ctr"/>
+          <a:lstStyle/>
+          <a:p>
+            <a:pPr algn="ctr"/>
+            <a:endParaRPr lang="en-US" sz="692"/>
+          </a:p>
+        </p:txBody>
+      </p:sp>
+      <p:sp>
+        <p:nvSpPr>
+          <p:cNvPr id="14" name="Rectangle: Rounded Corners 13">
+            <a:extLst>
+              <a:ext uri="{FF2B5EF4-FFF2-40B4-BE49-F238E27FC236}">
+                <a16:creationId xmlns:a16="http://schemas.microsoft.com/office/drawing/2014/main" id="{A89F771A-F35F-8803-67F7-C740A66BF9CA}"/>
+              </a:ext>
+            </a:extLst>
+          </p:cNvPr>
+          <p:cNvSpPr/>
+          <p:nvPr/>
+        </p:nvSpPr>
+        <p:spPr>
+          <a:xfrm>
+            <a:off x="247649" y="2987841"/>
+            <a:ext cx="2346159" cy="822159"/>
+          </a:xfrm>
+          <a:prstGeom prst="roundRect">
+            <a:avLst>
+              <a:gd name="adj" fmla="val 11379"/>
+            </a:avLst>
+          </a:prstGeom>
+          <a:solidFill>
+            <a:schemeClr val="tx1"/>
+          </a:solidFill>
+          <a:ln>
+            <a:noFill/>
+          </a:ln>
+          <a:effectLst>
+            <a:outerShdw blurRad="50800" dist="38100" dir="18900000" algn="bl" rotWithShape="0">
+              <a:prstClr val="black">
+                <a:alpha val="40000"/>
+              </a:prstClr>
+            </a:outerShdw>
+          </a:effectLst>
+        </p:spPr>
+        <p:style>
+          <a:lnRef idx="2">
+            <a:schemeClr val="accent1">
+              <a:shade val="15000"/>
+            </a:schemeClr>
+          </a:lnRef>
+          <a:fillRef idx="1">
+            <a:schemeClr val="accent1"/>
+          </a:fillRef>
+          <a:effectRef idx="0">
+            <a:schemeClr val="accent1"/>
+          </a:effectRef>
+          <a:fontRef idx="minor">
+            <a:schemeClr val="lt1"/>
+          </a:fontRef>
+        </p:style>
+        <p:txBody>
+          <a:bodyPr rtlCol="0" anchor="ctr"/>
+          <a:lstStyle/>
+          <a:p>
+            <a:pPr algn="ctr"/>
+            <a:endParaRPr lang="en-US" sz="692"/>
+          </a:p>
+        </p:txBody>
+      </p:sp>
+      <p:sp>
+        <p:nvSpPr>
+          <p:cNvPr id="15" name="Rectangle: Rounded Corners 14">
+            <a:extLst>
+              <a:ext uri="{FF2B5EF4-FFF2-40B4-BE49-F238E27FC236}">
+                <a16:creationId xmlns:a16="http://schemas.microsoft.com/office/drawing/2014/main" id="{311EE0F4-78B2-A2DB-BEB0-2DDDC26DB1BF}"/>
+              </a:ext>
+            </a:extLst>
+          </p:cNvPr>
+          <p:cNvSpPr/>
+          <p:nvPr/>
+        </p:nvSpPr>
+        <p:spPr>
+          <a:xfrm>
+            <a:off x="3593431" y="2987840"/>
+            <a:ext cx="2346159" cy="822159"/>
+          </a:xfrm>
+          <a:prstGeom prst="roundRect">
+            <a:avLst>
+              <a:gd name="adj" fmla="val 11379"/>
+            </a:avLst>
+          </a:prstGeom>
+          <a:solidFill>
+            <a:schemeClr val="tx1"/>
+          </a:solidFill>
+          <a:ln>
+            <a:noFill/>
+          </a:ln>
+          <a:effectLst>
+            <a:outerShdw blurRad="50800" dist="38100" dir="18900000" algn="bl" rotWithShape="0">
+              <a:prstClr val="black">
+                <a:alpha val="40000"/>
+              </a:prstClr>
+            </a:outerShdw>
+          </a:effectLst>
+        </p:spPr>
+        <p:style>
+          <a:lnRef idx="2">
+            <a:schemeClr val="accent1">
+              <a:shade val="15000"/>
+            </a:schemeClr>
+          </a:lnRef>
+          <a:fillRef idx="1">
+            <a:schemeClr val="accent1"/>
+          </a:fillRef>
+          <a:effectRef idx="0">
+            <a:schemeClr val="accent1"/>
+          </a:effectRef>
+          <a:fontRef idx="minor">
+            <a:schemeClr val="lt1"/>
+          </a:fontRef>
+        </p:style>
+        <p:txBody>
+          <a:bodyPr rtlCol="0" anchor="ctr"/>
+          <a:lstStyle/>
+          <a:p>
+            <a:pPr algn="ctr"/>
+            <a:endParaRPr lang="en-US" sz="692"/>
+          </a:p>
+        </p:txBody>
+      </p:sp>
+      <p:sp>
+        <p:nvSpPr>
+          <p:cNvPr id="16" name="Rectangle: Rounded Corners 15">
+            <a:extLst>
+              <a:ext uri="{FF2B5EF4-FFF2-40B4-BE49-F238E27FC236}">
+                <a16:creationId xmlns:a16="http://schemas.microsoft.com/office/drawing/2014/main" id="{B8EA594B-E395-E7FA-73BC-11CEB265612E}"/>
+              </a:ext>
+            </a:extLst>
+          </p:cNvPr>
+          <p:cNvSpPr/>
+          <p:nvPr/>
+        </p:nvSpPr>
+        <p:spPr>
+          <a:xfrm>
+            <a:off x="6939212" y="2987840"/>
+            <a:ext cx="2346159" cy="822159"/>
+          </a:xfrm>
+          <a:prstGeom prst="roundRect">
+            <a:avLst>
+              <a:gd name="adj" fmla="val 11379"/>
+            </a:avLst>
+          </a:prstGeom>
+          <a:solidFill>
+            <a:schemeClr val="tx1"/>
+          </a:solidFill>
+          <a:ln>
+            <a:noFill/>
+          </a:ln>
+          <a:effectLst>
+            <a:outerShdw blurRad="50800" dist="38100" dir="18900000" algn="bl" rotWithShape="0">
+              <a:prstClr val="black">
+                <a:alpha val="40000"/>
+              </a:prstClr>
+            </a:outerShdw>
+          </a:effectLst>
+        </p:spPr>
+        <p:style>
+          <a:lnRef idx="2">
+            <a:schemeClr val="accent1">
+              <a:shade val="15000"/>
+            </a:schemeClr>
+          </a:lnRef>
+          <a:fillRef idx="1">
+            <a:schemeClr val="accent1"/>
+          </a:fillRef>
+          <a:effectRef idx="0">
+            <a:schemeClr val="accent1"/>
+          </a:effectRef>
+          <a:fontRef idx="minor">
+            <a:schemeClr val="lt1"/>
+          </a:fontRef>
+        </p:style>
+        <p:txBody>
+          <a:bodyPr rtlCol="0" anchor="ctr"/>
+          <a:lstStyle/>
+          <a:p>
+            <a:pPr algn="ctr"/>
+            <a:endParaRPr lang="en-US" sz="692"/>
+          </a:p>
+        </p:txBody>
+      </p:sp>
+      <p:sp>
+        <p:nvSpPr>
+          <p:cNvPr id="22" name="Rectangle: Diagonal Corners Rounded 21">
+            <a:extLst>
+              <a:ext uri="{FF2B5EF4-FFF2-40B4-BE49-F238E27FC236}">
+                <a16:creationId xmlns:a16="http://schemas.microsoft.com/office/drawing/2014/main" id="{2AC1BFC2-3F76-A92C-48BD-457F69F76B2C}"/>
+              </a:ext>
+            </a:extLst>
+          </p:cNvPr>
+          <p:cNvSpPr/>
+          <p:nvPr/>
+        </p:nvSpPr>
+        <p:spPr>
+          <a:xfrm>
+            <a:off x="9658350" y="152400"/>
+            <a:ext cx="5943599" cy="1714500"/>
+          </a:xfrm>
+          <a:prstGeom prst="round2DiagRect">
+            <a:avLst/>
+          </a:prstGeom>
+          <a:ln>
+            <a:noFill/>
+          </a:ln>
+        </p:spPr>
+        <p:style>
+          <a:lnRef idx="2">
+            <a:schemeClr val="dk1"/>
+          </a:lnRef>
+          <a:fillRef idx="1">
+            <a:schemeClr val="lt1"/>
+          </a:fillRef>
+          <a:effectRef idx="0">
+            <a:schemeClr val="dk1"/>
+          </a:effectRef>
+          <a:fontRef idx="minor">
+            <a:schemeClr val="dk1"/>
+          </a:fontRef>
+        </p:style>
+        <p:txBody>
+          <a:bodyPr rtlCol="0" anchor="ctr"/>
+          <a:lstStyle/>
+          <a:p>
+            <a:pPr algn="ctr"/>
+            <a:endParaRPr lang="en-US" sz="692"/>
+          </a:p>
+        </p:txBody>
+      </p:sp>
+      <p:sp>
+        <p:nvSpPr>
+          <p:cNvPr id="23" name="Rectangle: Diagonal Corners Rounded 22">
+            <a:extLst>
+              <a:ext uri="{FF2B5EF4-FFF2-40B4-BE49-F238E27FC236}">
+                <a16:creationId xmlns:a16="http://schemas.microsoft.com/office/drawing/2014/main" id="{D42F6202-1AFF-48F1-7398-6BB1BC37E047}"/>
+              </a:ext>
+            </a:extLst>
+          </p:cNvPr>
+          <p:cNvSpPr/>
+          <p:nvPr/>
+        </p:nvSpPr>
+        <p:spPr>
+          <a:xfrm>
+            <a:off x="9658350" y="2019300"/>
+            <a:ext cx="5943599" cy="1714500"/>
+          </a:xfrm>
+          <a:prstGeom prst="round2DiagRect">
+            <a:avLst/>
+          </a:prstGeom>
+          <a:ln>
+            <a:noFill/>
+          </a:ln>
+        </p:spPr>
+        <p:style>
+          <a:lnRef idx="2">
+            <a:schemeClr val="dk1"/>
+          </a:lnRef>
+          <a:fillRef idx="1">
+            <a:schemeClr val="lt1"/>
+          </a:fillRef>
+          <a:effectRef idx="0">
+            <a:schemeClr val="dk1"/>
+          </a:effectRef>
+          <a:fontRef idx="minor">
+            <a:schemeClr val="dk1"/>
+          </a:fontRef>
+        </p:style>
+        <p:txBody>
+          <a:bodyPr rtlCol="0" anchor="ctr"/>
+          <a:lstStyle/>
+          <a:p>
+            <a:pPr algn="ctr"/>
+            <a:endParaRPr lang="en-US" sz="692"/>
+          </a:p>
+        </p:txBody>
+      </p:sp>
+      <p:sp>
+        <p:nvSpPr>
+          <p:cNvPr id="2" name="Rectangle: Top Corners Rounded 1">
+            <a:extLst>
+              <a:ext uri="{FF2B5EF4-FFF2-40B4-BE49-F238E27FC236}">
+                <a16:creationId xmlns:a16="http://schemas.microsoft.com/office/drawing/2014/main" id="{99FC2677-A18F-93B5-A569-8581F901091E}"/>
+              </a:ext>
+            </a:extLst>
+          </p:cNvPr>
+          <p:cNvSpPr/>
+          <p:nvPr/>
+        </p:nvSpPr>
+        <p:spPr>
+          <a:xfrm>
+            <a:off x="1992728" y="1400529"/>
+            <a:ext cx="1815765" cy="461666"/>
+          </a:xfrm>
+          <a:prstGeom prst="round2SameRect">
+            <a:avLst/>
+          </a:prstGeom>
+          <a:solidFill>
+            <a:srgbClr val="61AFD3"/>
+          </a:solidFill>
+          <a:ln>
+            <a:noFill/>
+          </a:ln>
+        </p:spPr>
+        <p:style>
+          <a:lnRef idx="2">
+            <a:schemeClr val="dk1"/>
+          </a:lnRef>
+          <a:fillRef idx="1">
+            <a:schemeClr val="lt1"/>
+          </a:fillRef>
+          <a:effectRef idx="0">
+            <a:schemeClr val="dk1"/>
+          </a:effectRef>
+          <a:fontRef idx="minor">
+            <a:schemeClr val="dk1"/>
+          </a:fontRef>
+        </p:style>
+        <p:txBody>
+          <a:bodyPr rtlCol="0" anchor="ctr"/>
+          <a:lstStyle/>
+          <a:p>
+            <a:pPr algn="ctr"/>
+            <a:endParaRPr lang="en-US" dirty="0"/>
+          </a:p>
+        </p:txBody>
+      </p:sp>
+      <p:sp>
+        <p:nvSpPr>
+          <p:cNvPr id="3" name="Rectangle: Top Corners Rounded 2">
+            <a:extLst>
+              <a:ext uri="{FF2B5EF4-FFF2-40B4-BE49-F238E27FC236}">
+                <a16:creationId xmlns:a16="http://schemas.microsoft.com/office/drawing/2014/main" id="{068E0E41-894C-6833-4D51-8FF13E9B1A91}"/>
+              </a:ext>
+            </a:extLst>
+          </p:cNvPr>
+          <p:cNvSpPr/>
+          <p:nvPr/>
+        </p:nvSpPr>
+        <p:spPr>
+          <a:xfrm>
+            <a:off x="3968918" y="1400529"/>
+            <a:ext cx="1815765" cy="461666"/>
+          </a:xfrm>
+          <a:prstGeom prst="round2SameRect">
+            <a:avLst/>
+          </a:prstGeom>
+          <a:solidFill>
+            <a:srgbClr val="61AFD3"/>
+          </a:solidFill>
+          <a:ln>
+            <a:noFill/>
+          </a:ln>
+        </p:spPr>
+        <p:style>
+          <a:lnRef idx="2">
+            <a:schemeClr val="dk1"/>
+          </a:lnRef>
+          <a:fillRef idx="1">
+            <a:schemeClr val="lt1"/>
+          </a:fillRef>
+          <a:effectRef idx="0">
+            <a:schemeClr val="dk1"/>
+          </a:effectRef>
+          <a:fontRef idx="minor">
+            <a:schemeClr val="dk1"/>
+          </a:fontRef>
+        </p:style>
+        <p:txBody>
+          <a:bodyPr rtlCol="0" anchor="ctr"/>
+          <a:lstStyle/>
+          <a:p>
+            <a:pPr algn="ctr"/>
+            <a:endParaRPr lang="en-US" dirty="0"/>
+          </a:p>
+        </p:txBody>
+      </p:sp>
+      <p:sp>
+        <p:nvSpPr>
+          <p:cNvPr id="7" name="Rectangle: Top Corners Rounded 6">
+            <a:extLst>
+              <a:ext uri="{FF2B5EF4-FFF2-40B4-BE49-F238E27FC236}">
+                <a16:creationId xmlns:a16="http://schemas.microsoft.com/office/drawing/2014/main" id="{700598B8-3FAB-6BF7-0478-8AB40FB250B2}"/>
+              </a:ext>
+            </a:extLst>
+          </p:cNvPr>
+          <p:cNvSpPr/>
+          <p:nvPr/>
+        </p:nvSpPr>
+        <p:spPr>
+          <a:xfrm>
+            <a:off x="5945108" y="1400529"/>
+            <a:ext cx="1815765" cy="461666"/>
+          </a:xfrm>
+          <a:prstGeom prst="round2SameRect">
+            <a:avLst/>
+          </a:prstGeom>
+          <a:solidFill>
+            <a:srgbClr val="16689C"/>
+          </a:solidFill>
+          <a:ln>
+            <a:noFill/>
+          </a:ln>
+        </p:spPr>
+        <p:style>
+          <a:lnRef idx="2">
+            <a:schemeClr val="dk1"/>
+          </a:lnRef>
+          <a:fillRef idx="1">
+            <a:schemeClr val="lt1"/>
+          </a:fillRef>
+          <a:effectRef idx="0">
+            <a:schemeClr val="dk1"/>
+          </a:effectRef>
+          <a:fontRef idx="minor">
+            <a:schemeClr val="dk1"/>
+          </a:fontRef>
+        </p:style>
+        <p:txBody>
+          <a:bodyPr rtlCol="0" anchor="ctr"/>
+          <a:lstStyle/>
+          <a:p>
+            <a:pPr algn="ctr"/>
+            <a:endParaRPr lang="en-US" dirty="0"/>
+          </a:p>
+        </p:txBody>
+      </p:sp>
+    </p:spTree>
+    <p:extLst>
+      <p:ext uri="{BB962C8B-B14F-4D97-AF65-F5344CB8AC3E}">
+        <p14:creationId xmlns:p14="http://schemas.microsoft.com/office/powerpoint/2010/main" val="3758192594"/>
       </p:ext>
     </p:extLst>
   </p:cSld>
